--- a/Présentation projet.pptx
+++ b/Présentation projet.pptx
@@ -1178,7 +1178,7 @@
         </p:nvSpPr>
         <p:spPr>
           <a:xfrm>
-            <a:off x="381300" y="685800"/>
+            <a:off x="381000" y="685800"/>
             <a:ext cx="6096000" cy="3429000"/>
           </a:xfrm>
           <a:custGeom>
@@ -11133,30 +11133,32 @@
       </p:sp>
       <p:pic>
         <p:nvPicPr>
-          <p:cNvPr id="168" name="Google Shape;168;p17"/>
-          <p:cNvPicPr preferRelativeResize="0"/>
+          <p:cNvPr id="3" name="Image 2">
+            <a:extLst>
+              <a:ext uri="{FF2B5EF4-FFF2-40B4-BE49-F238E27FC236}">
+                <a16:creationId xmlns:a16="http://schemas.microsoft.com/office/drawing/2014/main" id="{705C27E8-65F1-4AA1-8ECE-DE17D042F0E8}"/>
+              </a:ext>
+            </a:extLst>
+          </p:cNvPr>
+          <p:cNvPicPr>
+            <a:picLocks noChangeAspect="1"/>
+          </p:cNvPicPr>
           <p:nvPr/>
         </p:nvPicPr>
         <p:blipFill>
-          <a:blip r:embed="rId3">
-            <a:alphaModFix/>
-          </a:blip>
+          <a:blip r:embed="rId3"/>
           <a:stretch>
             <a:fillRect/>
           </a:stretch>
         </p:blipFill>
         <p:spPr>
           <a:xfrm>
-            <a:off x="298825" y="832200"/>
-            <a:ext cx="8530425" cy="3866126"/>
+            <a:off x="601500" y="964019"/>
+            <a:ext cx="8234052" cy="3614950"/>
           </a:xfrm>
           <a:prstGeom prst="rect">
             <a:avLst/>
           </a:prstGeom>
-          <a:noFill/>
-          <a:ln>
-            <a:noFill/>
-          </a:ln>
         </p:spPr>
       </p:pic>
     </p:spTree>
